--- a/מצגות/L2.pptx
+++ b/מצגות/L2.pptx
@@ -5,7 +5,7 @@
     <p:sldMasterId id="2147483648" r:id="rId1"/>
   </p:sldMasterIdLst>
   <p:handoutMasterIdLst>
-    <p:handoutMasterId r:id="rId11"/>
+    <p:handoutMasterId r:id="rId10"/>
   </p:handoutMasterIdLst>
   <p:sldIdLst>
     <p:sldId id="375" r:id="rId2"/>
@@ -15,8 +15,7 @@
     <p:sldId id="411" r:id="rId6"/>
     <p:sldId id="412" r:id="rId7"/>
     <p:sldId id="413" r:id="rId8"/>
-    <p:sldId id="414" r:id="rId9"/>
-    <p:sldId id="384" r:id="rId10"/>
+    <p:sldId id="384" r:id="rId9"/>
   </p:sldIdLst>
   <p:sldSz cx="12192000" cy="6858000"/>
   <p:notesSz cx="6858000" cy="9144000"/>
@@ -150,7 +149,7 @@
   <pc:docChgLst>
     <pc:chgData name="אלכס גורבצ'וב" userId="8459a7c7-b354-45d8-a56f-77640536e27f" providerId="ADAL" clId="{50844A86-29F2-4282-B7D3-841C617851DA}"/>
     <pc:docChg chg="undo redo custSel addSld delSld modSld sldOrd">
-      <pc:chgData name="אלכס גורבצ'וב" userId="8459a7c7-b354-45d8-a56f-77640536e27f" providerId="ADAL" clId="{50844A86-29F2-4282-B7D3-841C617851DA}" dt="2022-03-14T14:09:24.592" v="622" actId="20577"/>
+      <pc:chgData name="אלכס גורבצ'וב" userId="8459a7c7-b354-45d8-a56f-77640536e27f" providerId="ADAL" clId="{50844A86-29F2-4282-B7D3-841C617851DA}" dt="2022-03-21T11:42:21.784" v="623" actId="47"/>
       <pc:docMkLst>
         <pc:docMk/>
       </pc:docMkLst>
@@ -546,8 +545,8 @@
           </ac:picMkLst>
         </pc:picChg>
       </pc:sldChg>
-      <pc:sldChg chg="delSp modSp add mod">
-        <pc:chgData name="אלכס גורבצ'וב" userId="8459a7c7-b354-45d8-a56f-77640536e27f" providerId="ADAL" clId="{50844A86-29F2-4282-B7D3-841C617851DA}" dt="2022-03-14T14:09:24.592" v="622" actId="20577"/>
+      <pc:sldChg chg="delSp modSp add del mod">
+        <pc:chgData name="אלכס גורבצ'וב" userId="8459a7c7-b354-45d8-a56f-77640536e27f" providerId="ADAL" clId="{50844A86-29F2-4282-B7D3-841C617851DA}" dt="2022-03-21T11:42:21.784" v="623" actId="47"/>
         <pc:sldMkLst>
           <pc:docMk/>
           <pc:sldMk cId="3910665758" sldId="414"/>
@@ -676,7 +675,7 @@
           <a:p>
             <a:fld id="{DE773F5E-F60B-3D42-A6DD-6D5611C2F6EE}" type="datetimeFigureOut">
               <a:rPr lang="en-US" smtClean="0"/>
-              <a:t>3/14/2022</a:t>
+              <a:t>3/21/2022</a:t>
             </a:fld>
             <a:endParaRPr lang="en-US" dirty="0"/>
           </a:p>
@@ -3855,7 +3854,7 @@
           <a:p>
             <a:fld id="{8F9F391E-143D-F948-ADAE-29AEA3C1EBFB}" type="datetimeFigureOut">
               <a:rPr lang="en-US" smtClean="0"/>
-              <a:t>3/14/2022</a:t>
+              <a:t>3/21/2022</a:t>
             </a:fld>
             <a:endParaRPr lang="en-US" dirty="0"/>
           </a:p>
@@ -4475,7 +4474,7 @@
           <a:p>
             <a:fld id="{8F9F391E-143D-F948-ADAE-29AEA3C1EBFB}" type="datetimeFigureOut">
               <a:rPr lang="en-US" smtClean="0"/>
-              <a:t>3/14/2022</a:t>
+              <a:t>3/21/2022</a:t>
             </a:fld>
             <a:endParaRPr lang="en-US" dirty="0"/>
           </a:p>
@@ -5428,7 +5427,7 @@
           <a:p>
             <a:fld id="{8F9F391E-143D-F948-ADAE-29AEA3C1EBFB}" type="datetimeFigureOut">
               <a:rPr lang="en-US" smtClean="0"/>
-              <a:t>3/14/2022</a:t>
+              <a:t>3/21/2022</a:t>
             </a:fld>
             <a:endParaRPr lang="en-US" dirty="0"/>
           </a:p>
@@ -6135,7 +6134,7 @@
           <a:p>
             <a:fld id="{8F9F391E-143D-F948-ADAE-29AEA3C1EBFB}" type="datetimeFigureOut">
               <a:rPr lang="en-US" smtClean="0"/>
-              <a:t>3/14/2022</a:t>
+              <a:t>3/21/2022</a:t>
             </a:fld>
             <a:endParaRPr lang="en-US" dirty="0"/>
           </a:p>
@@ -7500,7 +7499,7 @@
           <a:p>
             <a:fld id="{8F9F391E-143D-F948-ADAE-29AEA3C1EBFB}" type="datetimeFigureOut">
               <a:rPr lang="en-US" smtClean="0"/>
-              <a:t>3/14/2022</a:t>
+              <a:t>3/21/2022</a:t>
             </a:fld>
             <a:endParaRPr lang="en-US" dirty="0"/>
           </a:p>
@@ -7901,7 +7900,7 @@
           <a:p>
             <a:fld id="{8F9F391E-143D-F948-ADAE-29AEA3C1EBFB}" type="datetimeFigureOut">
               <a:rPr lang="en-US" smtClean="0"/>
-              <a:t>3/14/2022</a:t>
+              <a:t>3/21/2022</a:t>
             </a:fld>
             <a:endParaRPr lang="en-US" dirty="0"/>
           </a:p>
@@ -8354,7 +8353,7 @@
           <a:p>
             <a:fld id="{8F9F391E-143D-F948-ADAE-29AEA3C1EBFB}" type="datetimeFigureOut">
               <a:rPr lang="en-US" smtClean="0"/>
-              <a:t>3/14/2022</a:t>
+              <a:t>3/21/2022</a:t>
             </a:fld>
             <a:endParaRPr lang="en-US" dirty="0"/>
           </a:p>
@@ -8768,7 +8767,7 @@
           <a:p>
             <a:fld id="{8F9F391E-143D-F948-ADAE-29AEA3C1EBFB}" type="datetimeFigureOut">
               <a:rPr lang="en-US" smtClean="0"/>
-              <a:t>3/14/2022</a:t>
+              <a:t>3/21/2022</a:t>
             </a:fld>
             <a:endParaRPr lang="en-US" dirty="0"/>
           </a:p>
@@ -10799,7 +10798,7 @@
           <a:p>
             <a:fld id="{8F9F391E-143D-F948-ADAE-29AEA3C1EBFB}" type="datetimeFigureOut">
               <a:rPr lang="en-US" smtClean="0"/>
-              <a:t>3/14/2022</a:t>
+              <a:t>3/21/2022</a:t>
             </a:fld>
             <a:endParaRPr lang="en-US" dirty="0"/>
           </a:p>
@@ -12655,7 +12654,7 @@
           <a:p>
             <a:fld id="{8F9F391E-143D-F948-ADAE-29AEA3C1EBFB}" type="datetimeFigureOut">
               <a:rPr lang="en-US" smtClean="0"/>
-              <a:t>3/14/2022</a:t>
+              <a:t>3/21/2022</a:t>
             </a:fld>
             <a:endParaRPr lang="en-US" dirty="0"/>
           </a:p>
@@ -14617,7 +14616,7 @@
             <a:fld id="{8F9F391E-143D-F948-ADAE-29AEA3C1EBFB}" type="datetimeFigureOut">
               <a:rPr lang="en-US" smtClean="0"/>
               <a:pPr/>
-              <a:t>3/14/2022</a:t>
+              <a:t>3/21/2022</a:t>
             </a:fld>
             <a:endParaRPr lang="en-US" dirty="0"/>
           </a:p>
@@ -16309,7 +16308,7 @@
             <a:fld id="{8F9F391E-143D-F948-ADAE-29AEA3C1EBFB}" type="datetimeFigureOut">
               <a:rPr lang="en-US" smtClean="0"/>
               <a:pPr/>
-              <a:t>3/14/2022</a:t>
+              <a:t>3/21/2022</a:t>
             </a:fld>
             <a:endParaRPr lang="en-US" dirty="0"/>
           </a:p>
@@ -18287,7 +18286,7 @@
           <a:p>
             <a:fld id="{8F9F391E-143D-F948-ADAE-29AEA3C1EBFB}" type="datetimeFigureOut">
               <a:rPr lang="en-US" smtClean="0"/>
-              <a:t>3/14/2022</a:t>
+              <a:t>3/21/2022</a:t>
             </a:fld>
             <a:endParaRPr lang="en-US" dirty="0"/>
           </a:p>
@@ -18646,7 +18645,7 @@
           <a:p>
             <a:fld id="{8F9F391E-143D-F948-ADAE-29AEA3C1EBFB}" type="datetimeFigureOut">
               <a:rPr lang="en-US" smtClean="0"/>
-              <a:t>3/14/2022</a:t>
+              <a:t>3/21/2022</a:t>
             </a:fld>
             <a:endParaRPr lang="en-US" dirty="0"/>
           </a:p>
@@ -19005,7 +19004,7 @@
           <a:p>
             <a:fld id="{8F9F391E-143D-F948-ADAE-29AEA3C1EBFB}" type="datetimeFigureOut">
               <a:rPr lang="en-US" smtClean="0"/>
-              <a:t>3/14/2022</a:t>
+              <a:t>3/21/2022</a:t>
             </a:fld>
             <a:endParaRPr lang="en-US" dirty="0"/>
           </a:p>
@@ -19454,7 +19453,7 @@
           <a:p>
             <a:fld id="{8F9F391E-143D-F948-ADAE-29AEA3C1EBFB}" type="datetimeFigureOut">
               <a:rPr lang="en-US" smtClean="0"/>
-              <a:t>3/14/2022</a:t>
+              <a:t>3/21/2022</a:t>
             </a:fld>
             <a:endParaRPr lang="en-US" dirty="0"/>
           </a:p>
@@ -19913,7 +19912,7 @@
           <a:p>
             <a:fld id="{8F9F391E-143D-F948-ADAE-29AEA3C1EBFB}" type="datetimeFigureOut">
               <a:rPr lang="en-US" smtClean="0"/>
-              <a:t>3/14/2022</a:t>
+              <a:t>3/21/2022</a:t>
             </a:fld>
             <a:endParaRPr lang="en-US" dirty="0"/>
           </a:p>
@@ -20413,7 +20412,7 @@
           <a:p>
             <a:fld id="{F5356824-A55C-4F44-B9CB-109B027241D7}" type="datetimeFigureOut">
               <a:rPr lang="en-US" smtClean="0"/>
-              <a:t>3/14/2022</a:t>
+              <a:t>3/21/2022</a:t>
             </a:fld>
             <a:endParaRPr lang="en-US" dirty="0"/>
           </a:p>
@@ -21560,8 +21559,8 @@
             </a:prstGeom>
           </p:spPr>
         </p:pic>
-        <mc:AlternateContent xmlns:mc="http://schemas.openxmlformats.org/markup-compatibility/2006">
-          <mc:Choice xmlns:p14="http://schemas.microsoft.com/office/powerpoint/2010/main" Requires="p14">
+        <mc:AlternateContent xmlns:mc="http://schemas.openxmlformats.org/markup-compatibility/2006" xmlns:p14="http://schemas.microsoft.com/office/powerpoint/2010/main">
+          <mc:Choice Requires="p14">
             <p:contentPart p14:bwMode="auto" r:id="rId16">
               <p14:nvContentPartPr>
                 <p14:cNvPr id="17" name="Ink 16">
@@ -21580,7 +21579,7 @@
               </p14:xfrm>
             </p:contentPart>
           </mc:Choice>
-          <mc:Fallback>
+          <mc:Fallback xmlns="">
             <p:pic>
               <p:nvPicPr>
                 <p:cNvPr id="17" name="Ink 16">
@@ -21764,8 +21763,8 @@
             </a:prstGeom>
           </p:spPr>
         </p:pic>
-        <mc:AlternateContent xmlns:mc="http://schemas.openxmlformats.org/markup-compatibility/2006">
-          <mc:Choice xmlns:p14="http://schemas.microsoft.com/office/powerpoint/2010/main" Requires="p14">
+        <mc:AlternateContent xmlns:mc="http://schemas.openxmlformats.org/markup-compatibility/2006" xmlns:p14="http://schemas.microsoft.com/office/powerpoint/2010/main">
+          <mc:Choice Requires="p14">
             <p:contentPart p14:bwMode="auto" r:id="rId22">
               <p14:nvContentPartPr>
                 <p14:cNvPr id="15" name="Ink 14">
@@ -21784,7 +21783,7 @@
               </p14:xfrm>
             </p:contentPart>
           </mc:Choice>
-          <mc:Fallback>
+          <mc:Fallback xmlns="">
             <p:pic>
               <p:nvPicPr>
                 <p:cNvPr id="15" name="Ink 14">
@@ -24122,237 +24121,6 @@
 </file>
 
 <file path=ppt/slides/slide8.xml><?xml version="1.0" encoding="utf-8"?>
-<p:sld xmlns:a="http://schemas.openxmlformats.org/drawingml/2006/main" xmlns:r="http://schemas.openxmlformats.org/officeDocument/2006/relationships" xmlns:p="http://schemas.openxmlformats.org/presentationml/2006/main">
-  <p:cSld>
-    <p:spTree>
-      <p:nvGrpSpPr>
-        <p:cNvPr id="1" name=""/>
-        <p:cNvGrpSpPr/>
-        <p:nvPr/>
-      </p:nvGrpSpPr>
-      <p:grpSpPr>
-        <a:xfrm>
-          <a:off x="0" y="0"/>
-          <a:ext cx="0" cy="0"/>
-          <a:chOff x="0" y="0"/>
-          <a:chExt cx="0" cy="0"/>
-        </a:xfrm>
-      </p:grpSpPr>
-      <p:sp>
-        <p:nvSpPr>
-          <p:cNvPr id="3" name="Title 2">
-            <a:extLst>
-              <a:ext uri="{FF2B5EF4-FFF2-40B4-BE49-F238E27FC236}">
-                <a16:creationId xmlns:a16="http://schemas.microsoft.com/office/drawing/2014/main" id="{12B178B4-CDED-454C-BED2-2E2B10ADA703}"/>
-              </a:ext>
-            </a:extLst>
-          </p:cNvPr>
-          <p:cNvSpPr>
-            <a:spLocks noGrp="1"/>
-          </p:cNvSpPr>
-          <p:nvPr>
-            <p:ph type="ctrTitle"/>
-          </p:nvPr>
-        </p:nvSpPr>
-        <p:spPr/>
-        <p:txBody>
-          <a:bodyPr/>
-          <a:lstStyle/>
-          <a:p>
-            <a:pPr algn="r" rtl="1"/>
-            <a:r>
-              <a:rPr lang="en-US" dirty="0"/>
-              <a:t>HTML </a:t>
-            </a:r>
-            <a:r>
-              <a:rPr lang="he-IL" dirty="0"/>
-              <a:t> - תגים בסיסיים</a:t>
-            </a:r>
-            <a:endParaRPr lang="en-US" dirty="0"/>
-          </a:p>
-        </p:txBody>
-      </p:sp>
-      <p:sp>
-        <p:nvSpPr>
-          <p:cNvPr id="7" name="Text Placeholder 6">
-            <a:extLst>
-              <a:ext uri="{FF2B5EF4-FFF2-40B4-BE49-F238E27FC236}">
-                <a16:creationId xmlns:a16="http://schemas.microsoft.com/office/drawing/2014/main" id="{54E9E228-B02C-3941-B458-23CB2D67B476}"/>
-              </a:ext>
-            </a:extLst>
-          </p:cNvPr>
-          <p:cNvSpPr>
-            <a:spLocks noGrp="1"/>
-          </p:cNvSpPr>
-          <p:nvPr>
-            <p:ph type="body" sz="quarter" idx="14"/>
-          </p:nvPr>
-        </p:nvSpPr>
-        <p:spPr>
-          <a:xfrm>
-            <a:off x="1627321" y="1507066"/>
-            <a:ext cx="10134372" cy="5103284"/>
-          </a:xfrm>
-        </p:spPr>
-        <p:txBody>
-          <a:bodyPr>
-            <a:normAutofit/>
-          </a:bodyPr>
-          <a:lstStyle/>
-          <a:p>
-            <a:pPr marR="0" lvl="0" algn="r" rtl="1" fontAlgn="auto">
-              <a:spcAft>
-                <a:spcPts val="0"/>
-              </a:spcAft>
-              <a:buClr>
-                <a:srgbClr val="AA2B1E"/>
-              </a:buClr>
-              <a:buSzPct val="85000"/>
-              <a:tabLst/>
-              <a:defRPr/>
-            </a:pPr>
-            <a:r>
-              <a:rPr lang="he-IL" b="1" dirty="0"/>
-              <a:t>תגיות </a:t>
-            </a:r>
-            <a:r>
-              <a:rPr lang="en-US" b="1" dirty="0"/>
-              <a:t>h1-h6</a:t>
-            </a:r>
-            <a:endParaRPr lang="he-IL" b="1" dirty="0"/>
-          </a:p>
-          <a:p>
-            <a:pPr marL="0" indent="0" algn="r" rtl="1">
-              <a:buNone/>
-            </a:pPr>
-            <a:r>
-              <a:rPr lang="he-IL" dirty="0"/>
-              <a:t>תגיות כותרות (</a:t>
-            </a:r>
-            <a:r>
-              <a:rPr lang="en-US" dirty="0"/>
-              <a:t>HTML Headings</a:t>
-            </a:r>
-            <a:r>
-              <a:rPr lang="he-IL" dirty="0"/>
-              <a:t>) – מגדירות מבנה כותרות של הדף ב-</a:t>
-            </a:r>
-            <a:r>
-              <a:rPr lang="en-US" dirty="0"/>
-              <a:t>HTML</a:t>
-            </a:r>
-            <a:r>
-              <a:rPr lang="he-IL" dirty="0"/>
-              <a:t>.</a:t>
-            </a:r>
-            <a:endParaRPr lang="en-US" dirty="0"/>
-          </a:p>
-          <a:p>
-            <a:pPr marL="0" indent="0" algn="r" rtl="1">
-              <a:buNone/>
-            </a:pPr>
-            <a:r>
-              <a:rPr lang="he-IL" dirty="0"/>
-              <a:t> לא משתמשים לעיצוב טקסט.</a:t>
-            </a:r>
-            <a:endParaRPr lang="en-US" dirty="0"/>
-          </a:p>
-          <a:p>
-            <a:pPr marL="0" indent="0" algn="r" rtl="1">
-              <a:buNone/>
-            </a:pPr>
-            <a:r>
-              <a:rPr lang="he-IL" dirty="0"/>
-              <a:t> תגיות: מ-</a:t>
-            </a:r>
-            <a:r>
-              <a:rPr lang="en-US" dirty="0"/>
-              <a:t> </a:t>
-            </a:r>
-            <a:r>
-              <a:rPr lang="en-US" b="1" dirty="0"/>
-              <a:t>&lt;h1&gt;</a:t>
-            </a:r>
-            <a:r>
-              <a:rPr lang="en-US" dirty="0"/>
-              <a:t> </a:t>
-            </a:r>
-            <a:r>
-              <a:rPr lang="he-IL" dirty="0"/>
-              <a:t>ועד-</a:t>
-            </a:r>
-            <a:r>
-              <a:rPr lang="en-US" b="1" dirty="0"/>
-              <a:t>&lt;h6&gt;</a:t>
-            </a:r>
-            <a:r>
-              <a:rPr lang="he-IL" b="1" dirty="0"/>
-              <a:t>.</a:t>
-            </a:r>
-          </a:p>
-        </p:txBody>
-      </p:sp>
-      <p:pic>
-        <p:nvPicPr>
-          <p:cNvPr id="5" name="Picture 2" descr="https://upload.wikimedia.org/wikipedia/commons/thumb/6/61/HTML5_logo_and_wordmark.svg/512px-HTML5_logo_and_wordmark.svg.png">
-            <a:extLst>
-              <a:ext uri="{FF2B5EF4-FFF2-40B4-BE49-F238E27FC236}">
-                <a16:creationId xmlns:a16="http://schemas.microsoft.com/office/drawing/2014/main" id="{FC03673A-5009-4140-8008-133D436C7A27}"/>
-              </a:ext>
-            </a:extLst>
-          </p:cNvPr>
-          <p:cNvPicPr>
-            <a:picLocks noChangeAspect="1" noChangeArrowheads="1"/>
-          </p:cNvPicPr>
-          <p:nvPr/>
-        </p:nvPicPr>
-        <p:blipFill>
-          <a:blip r:embed="rId2" cstate="print">
-            <a:extLst>
-              <a:ext uri="{28A0092B-C50C-407E-A947-70E740481C1C}">
-                <a14:useLocalDpi xmlns:a14="http://schemas.microsoft.com/office/drawing/2010/main" val="0"/>
-              </a:ext>
-            </a:extLst>
-          </a:blip>
-          <a:srcRect/>
-          <a:stretch>
-            <a:fillRect/>
-          </a:stretch>
-        </p:blipFill>
-        <p:spPr bwMode="auto">
-          <a:xfrm>
-            <a:off x="-112454" y="5403902"/>
-            <a:ext cx="1368152" cy="1368153"/>
-          </a:xfrm>
-          <a:prstGeom prst="rect">
-            <a:avLst/>
-          </a:prstGeom>
-          <a:noFill/>
-          <a:extLst>
-            <a:ext uri="{909E8E84-426E-40DD-AFC4-6F175D3DCCD1}">
-              <a14:hiddenFill xmlns:a14="http://schemas.microsoft.com/office/drawing/2010/main">
-                <a:solidFill>
-                  <a:srgbClr val="FFFFFF"/>
-                </a:solidFill>
-              </a14:hiddenFill>
-            </a:ext>
-          </a:extLst>
-        </p:spPr>
-      </p:pic>
-    </p:spTree>
-    <p:extLst>
-      <p:ext uri="{BB962C8B-B14F-4D97-AF65-F5344CB8AC3E}">
-        <p14:creationId xmlns:p14="http://schemas.microsoft.com/office/powerpoint/2010/main" val="3910665758"/>
-      </p:ext>
-    </p:extLst>
-  </p:cSld>
-  <p:clrMapOvr>
-    <a:masterClrMapping/>
-  </p:clrMapOvr>
-</p:sld>
-</file>
-
-<file path=ppt/slides/slide9.xml><?xml version="1.0" encoding="utf-8"?>
 <p:sld xmlns:a="http://schemas.openxmlformats.org/drawingml/2006/main" xmlns:r="http://schemas.openxmlformats.org/officeDocument/2006/relationships" xmlns:p="http://schemas.openxmlformats.org/presentationml/2006/main">
   <p:cSld>
     <p:spTree>
